--- a/slides/Python course 3_function.pptx
+++ b/slides/Python course 3_function.pptx
@@ -16,6 +16,14 @@
     <p:sldId id="264" r:id="rId10"/>
     <p:sldId id="265" r:id="rId11"/>
     <p:sldId id="266" r:id="rId12"/>
+    <p:sldId id="267" r:id="rId13"/>
+    <p:sldId id="272" r:id="rId14"/>
+    <p:sldId id="273" r:id="rId15"/>
+    <p:sldId id="274" r:id="rId16"/>
+    <p:sldId id="268" r:id="rId17"/>
+    <p:sldId id="269" r:id="rId18"/>
+    <p:sldId id="270" r:id="rId19"/>
+    <p:sldId id="271" r:id="rId20"/>
   </p:sldIdLst>
   <p:sldSz cx="9144000" cy="6858000" type="screen4x3"/>
   <p:notesSz cx="6858000" cy="9144000"/>
@@ -298,7 +306,8 @@
           <a:p>
             <a:fld id="{C0D59598-13B6-4249-8E23-1CC367B4D783}" type="datetimeFigureOut">
               <a:rPr lang="zh-CN" altLang="en-US" smtClean="0"/>
-              <a:t>2018/3/6</a:t>
+              <a:pPr/>
+              <a:t>2018/3/8</a:t>
             </a:fld>
             <a:endParaRPr lang="zh-CN" altLang="en-US"/>
           </a:p>
@@ -340,6 +349,7 @@
           <a:p>
             <a:fld id="{0F758F1E-B9B1-4593-A0F3-1C04FC78E54E}" type="slidenum">
               <a:rPr lang="zh-CN" altLang="en-US" smtClean="0"/>
+              <a:pPr/>
               <a:t>‹#›</a:t>
             </a:fld>
             <a:endParaRPr lang="zh-CN" altLang="en-US"/>
@@ -463,7 +473,8 @@
           <a:p>
             <a:fld id="{C0D59598-13B6-4249-8E23-1CC367B4D783}" type="datetimeFigureOut">
               <a:rPr lang="zh-CN" altLang="en-US" smtClean="0"/>
-              <a:t>2018/3/6</a:t>
+              <a:pPr/>
+              <a:t>2018/3/8</a:t>
             </a:fld>
             <a:endParaRPr lang="zh-CN" altLang="en-US"/>
           </a:p>
@@ -505,6 +516,7 @@
           <a:p>
             <a:fld id="{0F758F1E-B9B1-4593-A0F3-1C04FC78E54E}" type="slidenum">
               <a:rPr lang="zh-CN" altLang="en-US" smtClean="0"/>
+              <a:pPr/>
               <a:t>‹#›</a:t>
             </a:fld>
             <a:endParaRPr lang="zh-CN" altLang="en-US"/>
@@ -638,7 +650,8 @@
           <a:p>
             <a:fld id="{C0D59598-13B6-4249-8E23-1CC367B4D783}" type="datetimeFigureOut">
               <a:rPr lang="zh-CN" altLang="en-US" smtClean="0"/>
-              <a:t>2018/3/6</a:t>
+              <a:pPr/>
+              <a:t>2018/3/8</a:t>
             </a:fld>
             <a:endParaRPr lang="zh-CN" altLang="en-US"/>
           </a:p>
@@ -680,6 +693,7 @@
           <a:p>
             <a:fld id="{0F758F1E-B9B1-4593-A0F3-1C04FC78E54E}" type="slidenum">
               <a:rPr lang="zh-CN" altLang="en-US" smtClean="0"/>
+              <a:pPr/>
               <a:t>‹#›</a:t>
             </a:fld>
             <a:endParaRPr lang="zh-CN" altLang="en-US"/>
@@ -803,7 +817,8 @@
           <a:p>
             <a:fld id="{C0D59598-13B6-4249-8E23-1CC367B4D783}" type="datetimeFigureOut">
               <a:rPr lang="zh-CN" altLang="en-US" smtClean="0"/>
-              <a:t>2018/3/6</a:t>
+              <a:pPr/>
+              <a:t>2018/3/8</a:t>
             </a:fld>
             <a:endParaRPr lang="zh-CN" altLang="en-US"/>
           </a:p>
@@ -845,6 +860,7 @@
           <a:p>
             <a:fld id="{0F758F1E-B9B1-4593-A0F3-1C04FC78E54E}" type="slidenum">
               <a:rPr lang="zh-CN" altLang="en-US" smtClean="0"/>
+              <a:pPr/>
               <a:t>‹#›</a:t>
             </a:fld>
             <a:endParaRPr lang="zh-CN" altLang="en-US"/>
@@ -1044,7 +1060,8 @@
           <a:p>
             <a:fld id="{C0D59598-13B6-4249-8E23-1CC367B4D783}" type="datetimeFigureOut">
               <a:rPr lang="zh-CN" altLang="en-US" smtClean="0"/>
-              <a:t>2018/3/6</a:t>
+              <a:pPr/>
+              <a:t>2018/3/8</a:t>
             </a:fld>
             <a:endParaRPr lang="zh-CN" altLang="en-US"/>
           </a:p>
@@ -1086,6 +1103,7 @@
           <a:p>
             <a:fld id="{0F758F1E-B9B1-4593-A0F3-1C04FC78E54E}" type="slidenum">
               <a:rPr lang="zh-CN" altLang="en-US" smtClean="0"/>
+              <a:pPr/>
               <a:t>‹#›</a:t>
             </a:fld>
             <a:endParaRPr lang="zh-CN" altLang="en-US"/>
@@ -1327,7 +1345,8 @@
           <a:p>
             <a:fld id="{C0D59598-13B6-4249-8E23-1CC367B4D783}" type="datetimeFigureOut">
               <a:rPr lang="zh-CN" altLang="en-US" smtClean="0"/>
-              <a:t>2018/3/6</a:t>
+              <a:pPr/>
+              <a:t>2018/3/8</a:t>
             </a:fld>
             <a:endParaRPr lang="zh-CN" altLang="en-US"/>
           </a:p>
@@ -1369,6 +1388,7 @@
           <a:p>
             <a:fld id="{0F758F1E-B9B1-4593-A0F3-1C04FC78E54E}" type="slidenum">
               <a:rPr lang="zh-CN" altLang="en-US" smtClean="0"/>
+              <a:pPr/>
               <a:t>‹#›</a:t>
             </a:fld>
             <a:endParaRPr lang="zh-CN" altLang="en-US"/>
@@ -1744,7 +1764,8 @@
           <a:p>
             <a:fld id="{C0D59598-13B6-4249-8E23-1CC367B4D783}" type="datetimeFigureOut">
               <a:rPr lang="zh-CN" altLang="en-US" smtClean="0"/>
-              <a:t>2018/3/6</a:t>
+              <a:pPr/>
+              <a:t>2018/3/8</a:t>
             </a:fld>
             <a:endParaRPr lang="zh-CN" altLang="en-US"/>
           </a:p>
@@ -1786,6 +1807,7 @@
           <a:p>
             <a:fld id="{0F758F1E-B9B1-4593-A0F3-1C04FC78E54E}" type="slidenum">
               <a:rPr lang="zh-CN" altLang="en-US" smtClean="0"/>
+              <a:pPr/>
               <a:t>‹#›</a:t>
             </a:fld>
             <a:endParaRPr lang="zh-CN" altLang="en-US"/>
@@ -1857,7 +1879,8 @@
           <a:p>
             <a:fld id="{C0D59598-13B6-4249-8E23-1CC367B4D783}" type="datetimeFigureOut">
               <a:rPr lang="zh-CN" altLang="en-US" smtClean="0"/>
-              <a:t>2018/3/6</a:t>
+              <a:pPr/>
+              <a:t>2018/3/8</a:t>
             </a:fld>
             <a:endParaRPr lang="zh-CN" altLang="en-US"/>
           </a:p>
@@ -1899,6 +1922,7 @@
           <a:p>
             <a:fld id="{0F758F1E-B9B1-4593-A0F3-1C04FC78E54E}" type="slidenum">
               <a:rPr lang="zh-CN" altLang="en-US" smtClean="0"/>
+              <a:pPr/>
               <a:t>‹#›</a:t>
             </a:fld>
             <a:endParaRPr lang="zh-CN" altLang="en-US"/>
@@ -1947,7 +1971,8 @@
           <a:p>
             <a:fld id="{C0D59598-13B6-4249-8E23-1CC367B4D783}" type="datetimeFigureOut">
               <a:rPr lang="zh-CN" altLang="en-US" smtClean="0"/>
-              <a:t>2018/3/6</a:t>
+              <a:pPr/>
+              <a:t>2018/3/8</a:t>
             </a:fld>
             <a:endParaRPr lang="zh-CN" altLang="en-US"/>
           </a:p>
@@ -1989,6 +2014,7 @@
           <a:p>
             <a:fld id="{0F758F1E-B9B1-4593-A0F3-1C04FC78E54E}" type="slidenum">
               <a:rPr lang="zh-CN" altLang="en-US" smtClean="0"/>
+              <a:pPr/>
               <a:t>‹#›</a:t>
             </a:fld>
             <a:endParaRPr lang="zh-CN" altLang="en-US"/>
@@ -2219,7 +2245,8 @@
           <a:p>
             <a:fld id="{C0D59598-13B6-4249-8E23-1CC367B4D783}" type="datetimeFigureOut">
               <a:rPr lang="zh-CN" altLang="en-US" smtClean="0"/>
-              <a:t>2018/3/6</a:t>
+              <a:pPr/>
+              <a:t>2018/3/8</a:t>
             </a:fld>
             <a:endParaRPr lang="zh-CN" altLang="en-US"/>
           </a:p>
@@ -2261,6 +2288,7 @@
           <a:p>
             <a:fld id="{0F758F1E-B9B1-4593-A0F3-1C04FC78E54E}" type="slidenum">
               <a:rPr lang="zh-CN" altLang="en-US" smtClean="0"/>
+              <a:pPr/>
               <a:t>‹#›</a:t>
             </a:fld>
             <a:endParaRPr lang="zh-CN" altLang="en-US"/>
@@ -2467,7 +2495,8 @@
           <a:p>
             <a:fld id="{C0D59598-13B6-4249-8E23-1CC367B4D783}" type="datetimeFigureOut">
               <a:rPr lang="zh-CN" altLang="en-US" smtClean="0"/>
-              <a:t>2018/3/6</a:t>
+              <a:pPr/>
+              <a:t>2018/3/8</a:t>
             </a:fld>
             <a:endParaRPr lang="zh-CN" altLang="en-US"/>
           </a:p>
@@ -2509,6 +2538,7 @@
           <a:p>
             <a:fld id="{0F758F1E-B9B1-4593-A0F3-1C04FC78E54E}" type="slidenum">
               <a:rPr lang="zh-CN" altLang="en-US" smtClean="0"/>
+              <a:pPr/>
               <a:t>‹#›</a:t>
             </a:fld>
             <a:endParaRPr lang="zh-CN" altLang="en-US"/>
@@ -2675,7 +2705,8 @@
           <a:p>
             <a:fld id="{C0D59598-13B6-4249-8E23-1CC367B4D783}" type="datetimeFigureOut">
               <a:rPr lang="zh-CN" altLang="en-US" smtClean="0"/>
-              <a:t>2018/3/6</a:t>
+              <a:pPr/>
+              <a:t>2018/3/8</a:t>
             </a:fld>
             <a:endParaRPr lang="zh-CN" altLang="en-US"/>
           </a:p>
@@ -2753,6 +2784,7 @@
           <a:p>
             <a:fld id="{0F758F1E-B9B1-4593-A0F3-1C04FC78E54E}" type="slidenum">
               <a:rPr lang="zh-CN" altLang="en-US" smtClean="0"/>
+              <a:pPr/>
               <a:t>‹#›</a:t>
             </a:fld>
             <a:endParaRPr lang="zh-CN" altLang="en-US"/>
@@ -3348,6 +3380,636 @@
           <a:xfrm>
             <a:off x="179512" y="1196752"/>
             <a:ext cx="8640960" cy="4423078"/>
+          </a:xfrm>
+          <a:prstGeom prst="rect">
+            <a:avLst/>
+          </a:prstGeom>
+          <a:noFill/>
+          <a:ln w="9525">
+            <a:noFill/>
+            <a:miter lim="800000"/>
+            <a:headEnd/>
+            <a:tailEnd/>
+          </a:ln>
+        </p:spPr>
+      </p:pic>
+    </p:spTree>
+  </p:cSld>
+  <p:clrMapOvr>
+    <a:masterClrMapping/>
+  </p:clrMapOvr>
+</p:sld>
+</file>
+
+<file path=ppt/slides/slide12.xml><?xml version="1.0" encoding="utf-8"?>
+<p:sld xmlns:a="http://schemas.openxmlformats.org/drawingml/2006/main" xmlns:r="http://schemas.openxmlformats.org/officeDocument/2006/relationships" xmlns:p="http://schemas.openxmlformats.org/presentationml/2006/main">
+  <p:cSld>
+    <p:spTree>
+      <p:nvGrpSpPr>
+        <p:cNvPr id="1" name=""/>
+        <p:cNvGrpSpPr/>
+        <p:nvPr/>
+      </p:nvGrpSpPr>
+      <p:grpSpPr>
+        <a:xfrm>
+          <a:off x="0" y="0"/>
+          <a:ext cx="0" cy="0"/>
+          <a:chOff x="0" y="0"/>
+          <a:chExt cx="0" cy="0"/>
+        </a:xfrm>
+      </p:grpSpPr>
+      <p:pic>
+        <p:nvPicPr>
+          <p:cNvPr id="1026" name="Picture 2"/>
+          <p:cNvPicPr>
+            <a:picLocks noChangeAspect="1" noChangeArrowheads="1"/>
+          </p:cNvPicPr>
+          <p:nvPr/>
+        </p:nvPicPr>
+        <p:blipFill>
+          <a:blip r:embed="rId2" cstate="print"/>
+          <a:srcRect/>
+          <a:stretch>
+            <a:fillRect/>
+          </a:stretch>
+        </p:blipFill>
+        <p:spPr bwMode="auto">
+          <a:xfrm>
+            <a:off x="323528" y="476422"/>
+            <a:ext cx="8644775" cy="1152128"/>
+          </a:xfrm>
+          <a:prstGeom prst="rect">
+            <a:avLst/>
+          </a:prstGeom>
+          <a:noFill/>
+          <a:ln w="9525">
+            <a:noFill/>
+            <a:miter lim="800000"/>
+            <a:headEnd/>
+            <a:tailEnd/>
+          </a:ln>
+        </p:spPr>
+      </p:pic>
+      <p:pic>
+        <p:nvPicPr>
+          <p:cNvPr id="1027" name="Picture 3"/>
+          <p:cNvPicPr>
+            <a:picLocks noChangeAspect="1" noChangeArrowheads="1"/>
+          </p:cNvPicPr>
+          <p:nvPr/>
+        </p:nvPicPr>
+        <p:blipFill>
+          <a:blip r:embed="rId3" cstate="print"/>
+          <a:srcRect/>
+          <a:stretch>
+            <a:fillRect/>
+          </a:stretch>
+        </p:blipFill>
+        <p:spPr bwMode="auto">
+          <a:xfrm>
+            <a:off x="323528" y="1700558"/>
+            <a:ext cx="8651106" cy="4248722"/>
+          </a:xfrm>
+          <a:prstGeom prst="rect">
+            <a:avLst/>
+          </a:prstGeom>
+          <a:noFill/>
+          <a:ln w="9525">
+            <a:noFill/>
+            <a:miter lim="800000"/>
+            <a:headEnd/>
+            <a:tailEnd/>
+          </a:ln>
+        </p:spPr>
+      </p:pic>
+    </p:spTree>
+  </p:cSld>
+  <p:clrMapOvr>
+    <a:masterClrMapping/>
+  </p:clrMapOvr>
+  <p:timing>
+    <p:tnLst>
+      <p:par>
+        <p:cTn id="1" dur="indefinite" restart="never" nodeType="tmRoot"/>
+      </p:par>
+    </p:tnLst>
+  </p:timing>
+</p:sld>
+</file>
+
+<file path=ppt/slides/slide13.xml><?xml version="1.0" encoding="utf-8"?>
+<p:sld xmlns:a="http://schemas.openxmlformats.org/drawingml/2006/main" xmlns:r="http://schemas.openxmlformats.org/officeDocument/2006/relationships" xmlns:p="http://schemas.openxmlformats.org/presentationml/2006/main">
+  <p:cSld>
+    <p:spTree>
+      <p:nvGrpSpPr>
+        <p:cNvPr id="1" name=""/>
+        <p:cNvGrpSpPr/>
+        <p:nvPr/>
+      </p:nvGrpSpPr>
+      <p:grpSpPr>
+        <a:xfrm>
+          <a:off x="0" y="0"/>
+          <a:ext cx="0" cy="0"/>
+          <a:chOff x="0" y="0"/>
+          <a:chExt cx="0" cy="0"/>
+        </a:xfrm>
+      </p:grpSpPr>
+      <p:pic>
+        <p:nvPicPr>
+          <p:cNvPr id="6146" name="Picture 2"/>
+          <p:cNvPicPr>
+            <a:picLocks noChangeAspect="1" noChangeArrowheads="1"/>
+          </p:cNvPicPr>
+          <p:nvPr/>
+        </p:nvPicPr>
+        <p:blipFill>
+          <a:blip r:embed="rId2" cstate="print"/>
+          <a:srcRect/>
+          <a:stretch>
+            <a:fillRect/>
+          </a:stretch>
+        </p:blipFill>
+        <p:spPr bwMode="auto">
+          <a:xfrm>
+            <a:off x="2051720" y="1559814"/>
+            <a:ext cx="4133850" cy="1114425"/>
+          </a:xfrm>
+          <a:prstGeom prst="rect">
+            <a:avLst/>
+          </a:prstGeom>
+          <a:noFill/>
+          <a:ln w="9525">
+            <a:noFill/>
+            <a:miter lim="800000"/>
+            <a:headEnd/>
+            <a:tailEnd/>
+          </a:ln>
+        </p:spPr>
+      </p:pic>
+      <p:pic>
+        <p:nvPicPr>
+          <p:cNvPr id="6147" name="Picture 3"/>
+          <p:cNvPicPr>
+            <a:picLocks noChangeAspect="1" noChangeArrowheads="1"/>
+          </p:cNvPicPr>
+          <p:nvPr/>
+        </p:nvPicPr>
+        <p:blipFill>
+          <a:blip r:embed="rId3" cstate="print"/>
+          <a:srcRect/>
+          <a:stretch>
+            <a:fillRect/>
+          </a:stretch>
+        </p:blipFill>
+        <p:spPr bwMode="auto">
+          <a:xfrm>
+            <a:off x="1835696" y="2639934"/>
+            <a:ext cx="4639593" cy="2085210"/>
+          </a:xfrm>
+          <a:prstGeom prst="rect">
+            <a:avLst/>
+          </a:prstGeom>
+          <a:noFill/>
+          <a:ln w="9525">
+            <a:noFill/>
+            <a:miter lim="800000"/>
+            <a:headEnd/>
+            <a:tailEnd/>
+          </a:ln>
+        </p:spPr>
+      </p:pic>
+    </p:spTree>
+  </p:cSld>
+  <p:clrMapOvr>
+    <a:masterClrMapping/>
+  </p:clrMapOvr>
+</p:sld>
+</file>
+
+<file path=ppt/slides/slide14.xml><?xml version="1.0" encoding="utf-8"?>
+<p:sld xmlns:a="http://schemas.openxmlformats.org/drawingml/2006/main" xmlns:r="http://schemas.openxmlformats.org/officeDocument/2006/relationships" xmlns:p="http://schemas.openxmlformats.org/presentationml/2006/main">
+  <p:cSld>
+    <p:spTree>
+      <p:nvGrpSpPr>
+        <p:cNvPr id="1" name=""/>
+        <p:cNvGrpSpPr/>
+        <p:nvPr/>
+      </p:nvGrpSpPr>
+      <p:grpSpPr>
+        <a:xfrm>
+          <a:off x="0" y="0"/>
+          <a:ext cx="0" cy="0"/>
+          <a:chOff x="0" y="0"/>
+          <a:chExt cx="0" cy="0"/>
+        </a:xfrm>
+      </p:grpSpPr>
+      <p:pic>
+        <p:nvPicPr>
+          <p:cNvPr id="7170" name="Picture 2"/>
+          <p:cNvPicPr>
+            <a:picLocks noChangeAspect="1" noChangeArrowheads="1"/>
+          </p:cNvPicPr>
+          <p:nvPr/>
+        </p:nvPicPr>
+        <p:blipFill>
+          <a:blip r:embed="rId2" cstate="print"/>
+          <a:srcRect/>
+          <a:stretch>
+            <a:fillRect/>
+          </a:stretch>
+        </p:blipFill>
+        <p:spPr bwMode="auto">
+          <a:xfrm>
+            <a:off x="1835696" y="620688"/>
+            <a:ext cx="4467225" cy="1971675"/>
+          </a:xfrm>
+          <a:prstGeom prst="rect">
+            <a:avLst/>
+          </a:prstGeom>
+          <a:noFill/>
+          <a:ln w="9525">
+            <a:noFill/>
+            <a:miter lim="800000"/>
+            <a:headEnd/>
+            <a:tailEnd/>
+          </a:ln>
+        </p:spPr>
+      </p:pic>
+      <p:pic>
+        <p:nvPicPr>
+          <p:cNvPr id="7171" name="Picture 3"/>
+          <p:cNvPicPr>
+            <a:picLocks noChangeAspect="1" noChangeArrowheads="1"/>
+          </p:cNvPicPr>
+          <p:nvPr/>
+        </p:nvPicPr>
+        <p:blipFill>
+          <a:blip r:embed="rId3" cstate="print"/>
+          <a:srcRect/>
+          <a:stretch>
+            <a:fillRect/>
+          </a:stretch>
+        </p:blipFill>
+        <p:spPr bwMode="auto">
+          <a:xfrm>
+            <a:off x="2267744" y="2708920"/>
+            <a:ext cx="4197846" cy="3550178"/>
+          </a:xfrm>
+          <a:prstGeom prst="rect">
+            <a:avLst/>
+          </a:prstGeom>
+          <a:noFill/>
+          <a:ln w="9525">
+            <a:noFill/>
+            <a:miter lim="800000"/>
+            <a:headEnd/>
+            <a:tailEnd/>
+          </a:ln>
+        </p:spPr>
+      </p:pic>
+    </p:spTree>
+  </p:cSld>
+  <p:clrMapOvr>
+    <a:masterClrMapping/>
+  </p:clrMapOvr>
+</p:sld>
+</file>
+
+<file path=ppt/slides/slide15.xml><?xml version="1.0" encoding="utf-8"?>
+<p:sld xmlns:a="http://schemas.openxmlformats.org/drawingml/2006/main" xmlns:r="http://schemas.openxmlformats.org/officeDocument/2006/relationships" xmlns:p="http://schemas.openxmlformats.org/presentationml/2006/main">
+  <p:cSld>
+    <p:spTree>
+      <p:nvGrpSpPr>
+        <p:cNvPr id="1" name=""/>
+        <p:cNvGrpSpPr/>
+        <p:nvPr/>
+      </p:nvGrpSpPr>
+      <p:grpSpPr>
+        <a:xfrm>
+          <a:off x="0" y="0"/>
+          <a:ext cx="0" cy="0"/>
+          <a:chOff x="0" y="0"/>
+          <a:chExt cx="0" cy="0"/>
+        </a:xfrm>
+      </p:grpSpPr>
+      <p:pic>
+        <p:nvPicPr>
+          <p:cNvPr id="2" name="Picture 4"/>
+          <p:cNvPicPr>
+            <a:picLocks noChangeAspect="1" noChangeArrowheads="1"/>
+          </p:cNvPicPr>
+          <p:nvPr/>
+        </p:nvPicPr>
+        <p:blipFill>
+          <a:blip r:embed="rId2" cstate="print"/>
+          <a:srcRect/>
+          <a:stretch>
+            <a:fillRect/>
+          </a:stretch>
+        </p:blipFill>
+        <p:spPr bwMode="auto">
+          <a:xfrm>
+            <a:off x="2483768" y="1268760"/>
+            <a:ext cx="4464496" cy="2896172"/>
+          </a:xfrm>
+          <a:prstGeom prst="rect">
+            <a:avLst/>
+          </a:prstGeom>
+          <a:noFill/>
+          <a:ln w="9525">
+            <a:noFill/>
+            <a:miter lim="800000"/>
+            <a:headEnd/>
+            <a:tailEnd/>
+          </a:ln>
+        </p:spPr>
+      </p:pic>
+    </p:spTree>
+  </p:cSld>
+  <p:clrMapOvr>
+    <a:masterClrMapping/>
+  </p:clrMapOvr>
+</p:sld>
+</file>
+
+<file path=ppt/slides/slide16.xml><?xml version="1.0" encoding="utf-8"?>
+<p:sld xmlns:a="http://schemas.openxmlformats.org/drawingml/2006/main" xmlns:r="http://schemas.openxmlformats.org/officeDocument/2006/relationships" xmlns:p="http://schemas.openxmlformats.org/presentationml/2006/main">
+  <p:cSld>
+    <p:spTree>
+      <p:nvGrpSpPr>
+        <p:cNvPr id="1" name=""/>
+        <p:cNvGrpSpPr/>
+        <p:nvPr/>
+      </p:nvGrpSpPr>
+      <p:grpSpPr>
+        <a:xfrm>
+          <a:off x="0" y="0"/>
+          <a:ext cx="0" cy="0"/>
+          <a:chOff x="0" y="0"/>
+          <a:chExt cx="0" cy="0"/>
+        </a:xfrm>
+      </p:grpSpPr>
+      <p:pic>
+        <p:nvPicPr>
+          <p:cNvPr id="2050" name="Picture 2"/>
+          <p:cNvPicPr>
+            <a:picLocks noChangeAspect="1" noChangeArrowheads="1"/>
+          </p:cNvPicPr>
+          <p:nvPr/>
+        </p:nvPicPr>
+        <p:blipFill>
+          <a:blip r:embed="rId2" cstate="print"/>
+          <a:srcRect/>
+          <a:stretch>
+            <a:fillRect/>
+          </a:stretch>
+        </p:blipFill>
+        <p:spPr bwMode="auto">
+          <a:xfrm>
+            <a:off x="101157" y="548680"/>
+            <a:ext cx="8935339" cy="5112568"/>
+          </a:xfrm>
+          <a:prstGeom prst="rect">
+            <a:avLst/>
+          </a:prstGeom>
+          <a:noFill/>
+          <a:ln w="9525">
+            <a:noFill/>
+            <a:miter lim="800000"/>
+            <a:headEnd/>
+            <a:tailEnd/>
+          </a:ln>
+        </p:spPr>
+      </p:pic>
+    </p:spTree>
+  </p:cSld>
+  <p:clrMapOvr>
+    <a:masterClrMapping/>
+  </p:clrMapOvr>
+  <p:timing>
+    <p:tnLst>
+      <p:par>
+        <p:cTn id="1" dur="indefinite" restart="never" nodeType="tmRoot"/>
+      </p:par>
+    </p:tnLst>
+  </p:timing>
+</p:sld>
+</file>
+
+<file path=ppt/slides/slide17.xml><?xml version="1.0" encoding="utf-8"?>
+<p:sld xmlns:a="http://schemas.openxmlformats.org/drawingml/2006/main" xmlns:r="http://schemas.openxmlformats.org/officeDocument/2006/relationships" xmlns:p="http://schemas.openxmlformats.org/presentationml/2006/main">
+  <p:cSld>
+    <p:spTree>
+      <p:nvGrpSpPr>
+        <p:cNvPr id="1" name=""/>
+        <p:cNvGrpSpPr/>
+        <p:nvPr/>
+      </p:nvGrpSpPr>
+      <p:grpSpPr>
+        <a:xfrm>
+          <a:off x="0" y="0"/>
+          <a:ext cx="0" cy="0"/>
+          <a:chOff x="0" y="0"/>
+          <a:chExt cx="0" cy="0"/>
+        </a:xfrm>
+      </p:grpSpPr>
+      <p:pic>
+        <p:nvPicPr>
+          <p:cNvPr id="3074" name="Picture 2"/>
+          <p:cNvPicPr>
+            <a:picLocks noChangeAspect="1" noChangeArrowheads="1"/>
+          </p:cNvPicPr>
+          <p:nvPr/>
+        </p:nvPicPr>
+        <p:blipFill>
+          <a:blip r:embed="rId2" cstate="print"/>
+          <a:srcRect/>
+          <a:stretch>
+            <a:fillRect/>
+          </a:stretch>
+        </p:blipFill>
+        <p:spPr bwMode="auto">
+          <a:xfrm>
+            <a:off x="107504" y="2564904"/>
+            <a:ext cx="8909026" cy="1800845"/>
+          </a:xfrm>
+          <a:prstGeom prst="rect">
+            <a:avLst/>
+          </a:prstGeom>
+          <a:noFill/>
+          <a:ln w="9525">
+            <a:noFill/>
+            <a:miter lim="800000"/>
+            <a:headEnd/>
+            <a:tailEnd/>
+          </a:ln>
+        </p:spPr>
+      </p:pic>
+      <p:pic>
+        <p:nvPicPr>
+          <p:cNvPr id="3075" name="Picture 3"/>
+          <p:cNvPicPr>
+            <a:picLocks noChangeAspect="1" noChangeArrowheads="1"/>
+          </p:cNvPicPr>
+          <p:nvPr/>
+        </p:nvPicPr>
+        <p:blipFill>
+          <a:blip r:embed="rId3" cstate="print"/>
+          <a:srcRect/>
+          <a:stretch>
+            <a:fillRect/>
+          </a:stretch>
+        </p:blipFill>
+        <p:spPr bwMode="auto">
+          <a:xfrm>
+            <a:off x="1619672" y="908720"/>
+            <a:ext cx="5391150" cy="1333500"/>
+          </a:xfrm>
+          <a:prstGeom prst="rect">
+            <a:avLst/>
+          </a:prstGeom>
+          <a:noFill/>
+          <a:ln w="9525">
+            <a:noFill/>
+            <a:miter lim="800000"/>
+            <a:headEnd/>
+            <a:tailEnd/>
+          </a:ln>
+        </p:spPr>
+      </p:pic>
+    </p:spTree>
+  </p:cSld>
+  <p:clrMapOvr>
+    <a:masterClrMapping/>
+  </p:clrMapOvr>
+</p:sld>
+</file>
+
+<file path=ppt/slides/slide18.xml><?xml version="1.0" encoding="utf-8"?>
+<p:sld xmlns:a="http://schemas.openxmlformats.org/drawingml/2006/main" xmlns:r="http://schemas.openxmlformats.org/officeDocument/2006/relationships" xmlns:p="http://schemas.openxmlformats.org/presentationml/2006/main">
+  <p:cSld>
+    <p:spTree>
+      <p:nvGrpSpPr>
+        <p:cNvPr id="1" name=""/>
+        <p:cNvGrpSpPr/>
+        <p:nvPr/>
+      </p:nvGrpSpPr>
+      <p:grpSpPr>
+        <a:xfrm>
+          <a:off x="0" y="0"/>
+          <a:ext cx="0" cy="0"/>
+          <a:chOff x="0" y="0"/>
+          <a:chExt cx="0" cy="0"/>
+        </a:xfrm>
+      </p:grpSpPr>
+      <p:pic>
+        <p:nvPicPr>
+          <p:cNvPr id="4098" name="Picture 2"/>
+          <p:cNvPicPr>
+            <a:picLocks noChangeAspect="1" noChangeArrowheads="1"/>
+          </p:cNvPicPr>
+          <p:nvPr/>
+        </p:nvPicPr>
+        <p:blipFill>
+          <a:blip r:embed="rId2" cstate="print"/>
+          <a:srcRect/>
+          <a:stretch>
+            <a:fillRect/>
+          </a:stretch>
+        </p:blipFill>
+        <p:spPr bwMode="auto">
+          <a:xfrm>
+            <a:off x="251520" y="620688"/>
+            <a:ext cx="8686923" cy="1800200"/>
+          </a:xfrm>
+          <a:prstGeom prst="rect">
+            <a:avLst/>
+          </a:prstGeom>
+          <a:noFill/>
+          <a:ln w="9525">
+            <a:noFill/>
+            <a:miter lim="800000"/>
+            <a:headEnd/>
+            <a:tailEnd/>
+          </a:ln>
+        </p:spPr>
+      </p:pic>
+      <p:pic>
+        <p:nvPicPr>
+          <p:cNvPr id="4099" name="Picture 3"/>
+          <p:cNvPicPr>
+            <a:picLocks noChangeAspect="1" noChangeArrowheads="1"/>
+          </p:cNvPicPr>
+          <p:nvPr/>
+        </p:nvPicPr>
+        <p:blipFill>
+          <a:blip r:embed="rId3" cstate="print"/>
+          <a:srcRect/>
+          <a:stretch>
+            <a:fillRect/>
+          </a:stretch>
+        </p:blipFill>
+        <p:spPr bwMode="auto">
+          <a:xfrm>
+            <a:off x="179512" y="2780928"/>
+            <a:ext cx="8943817" cy="2952328"/>
+          </a:xfrm>
+          <a:prstGeom prst="rect">
+            <a:avLst/>
+          </a:prstGeom>
+          <a:noFill/>
+          <a:ln w="9525">
+            <a:noFill/>
+            <a:miter lim="800000"/>
+            <a:headEnd/>
+            <a:tailEnd/>
+          </a:ln>
+        </p:spPr>
+      </p:pic>
+    </p:spTree>
+  </p:cSld>
+  <p:clrMapOvr>
+    <a:masterClrMapping/>
+  </p:clrMapOvr>
+</p:sld>
+</file>
+
+<file path=ppt/slides/slide19.xml><?xml version="1.0" encoding="utf-8"?>
+<p:sld xmlns:a="http://schemas.openxmlformats.org/drawingml/2006/main" xmlns:r="http://schemas.openxmlformats.org/officeDocument/2006/relationships" xmlns:p="http://schemas.openxmlformats.org/presentationml/2006/main">
+  <p:cSld>
+    <p:spTree>
+      <p:nvGrpSpPr>
+        <p:cNvPr id="1" name=""/>
+        <p:cNvGrpSpPr/>
+        <p:nvPr/>
+      </p:nvGrpSpPr>
+      <p:grpSpPr>
+        <a:xfrm>
+          <a:off x="0" y="0"/>
+          <a:ext cx="0" cy="0"/>
+          <a:chOff x="0" y="0"/>
+          <a:chExt cx="0" cy="0"/>
+        </a:xfrm>
+      </p:grpSpPr>
+      <p:pic>
+        <p:nvPicPr>
+          <p:cNvPr id="5122" name="Picture 2"/>
+          <p:cNvPicPr>
+            <a:picLocks noChangeAspect="1" noChangeArrowheads="1"/>
+          </p:cNvPicPr>
+          <p:nvPr/>
+        </p:nvPicPr>
+        <p:blipFill>
+          <a:blip r:embed="rId2" cstate="print"/>
+          <a:srcRect/>
+          <a:stretch>
+            <a:fillRect/>
+          </a:stretch>
+        </p:blipFill>
+        <p:spPr bwMode="auto">
+          <a:xfrm>
+            <a:off x="179512" y="404663"/>
+            <a:ext cx="8676963" cy="6124915"/>
           </a:xfrm>
           <a:prstGeom prst="rect">
             <a:avLst/>

--- a/slides/Python course 3_function.pptx
+++ b/slides/Python course 3_function.pptx
@@ -23,7 +23,9 @@
     <p:sldId id="268" r:id="rId17"/>
     <p:sldId id="269" r:id="rId18"/>
     <p:sldId id="270" r:id="rId19"/>
-    <p:sldId id="271" r:id="rId20"/>
+    <p:sldId id="275" r:id="rId20"/>
+    <p:sldId id="271" r:id="rId21"/>
+    <p:sldId id="276" r:id="rId22"/>
   </p:sldIdLst>
   <p:sldSz cx="9144000" cy="6858000" type="screen4x3"/>
   <p:notesSz cx="6858000" cy="9144000"/>
@@ -307,7 +309,7 @@
             <a:fld id="{C0D59598-13B6-4249-8E23-1CC367B4D783}" type="datetimeFigureOut">
               <a:rPr lang="zh-CN" altLang="en-US" smtClean="0"/>
               <a:pPr/>
-              <a:t>2018/3/8</a:t>
+              <a:t>2018/3/12</a:t>
             </a:fld>
             <a:endParaRPr lang="zh-CN" altLang="en-US"/>
           </a:p>
@@ -474,7 +476,7 @@
             <a:fld id="{C0D59598-13B6-4249-8E23-1CC367B4D783}" type="datetimeFigureOut">
               <a:rPr lang="zh-CN" altLang="en-US" smtClean="0"/>
               <a:pPr/>
-              <a:t>2018/3/8</a:t>
+              <a:t>2018/3/12</a:t>
             </a:fld>
             <a:endParaRPr lang="zh-CN" altLang="en-US"/>
           </a:p>
@@ -651,7 +653,7 @@
             <a:fld id="{C0D59598-13B6-4249-8E23-1CC367B4D783}" type="datetimeFigureOut">
               <a:rPr lang="zh-CN" altLang="en-US" smtClean="0"/>
               <a:pPr/>
-              <a:t>2018/3/8</a:t>
+              <a:t>2018/3/12</a:t>
             </a:fld>
             <a:endParaRPr lang="zh-CN" altLang="en-US"/>
           </a:p>
@@ -818,7 +820,7 @@
             <a:fld id="{C0D59598-13B6-4249-8E23-1CC367B4D783}" type="datetimeFigureOut">
               <a:rPr lang="zh-CN" altLang="en-US" smtClean="0"/>
               <a:pPr/>
-              <a:t>2018/3/8</a:t>
+              <a:t>2018/3/12</a:t>
             </a:fld>
             <a:endParaRPr lang="zh-CN" altLang="en-US"/>
           </a:p>
@@ -1061,7 +1063,7 @@
             <a:fld id="{C0D59598-13B6-4249-8E23-1CC367B4D783}" type="datetimeFigureOut">
               <a:rPr lang="zh-CN" altLang="en-US" smtClean="0"/>
               <a:pPr/>
-              <a:t>2018/3/8</a:t>
+              <a:t>2018/3/12</a:t>
             </a:fld>
             <a:endParaRPr lang="zh-CN" altLang="en-US"/>
           </a:p>
@@ -1346,7 +1348,7 @@
             <a:fld id="{C0D59598-13B6-4249-8E23-1CC367B4D783}" type="datetimeFigureOut">
               <a:rPr lang="zh-CN" altLang="en-US" smtClean="0"/>
               <a:pPr/>
-              <a:t>2018/3/8</a:t>
+              <a:t>2018/3/12</a:t>
             </a:fld>
             <a:endParaRPr lang="zh-CN" altLang="en-US"/>
           </a:p>
@@ -1765,7 +1767,7 @@
             <a:fld id="{C0D59598-13B6-4249-8E23-1CC367B4D783}" type="datetimeFigureOut">
               <a:rPr lang="zh-CN" altLang="en-US" smtClean="0"/>
               <a:pPr/>
-              <a:t>2018/3/8</a:t>
+              <a:t>2018/3/12</a:t>
             </a:fld>
             <a:endParaRPr lang="zh-CN" altLang="en-US"/>
           </a:p>
@@ -1880,7 +1882,7 @@
             <a:fld id="{C0D59598-13B6-4249-8E23-1CC367B4D783}" type="datetimeFigureOut">
               <a:rPr lang="zh-CN" altLang="en-US" smtClean="0"/>
               <a:pPr/>
-              <a:t>2018/3/8</a:t>
+              <a:t>2018/3/12</a:t>
             </a:fld>
             <a:endParaRPr lang="zh-CN" altLang="en-US"/>
           </a:p>
@@ -1972,7 +1974,7 @@
             <a:fld id="{C0D59598-13B6-4249-8E23-1CC367B4D783}" type="datetimeFigureOut">
               <a:rPr lang="zh-CN" altLang="en-US" smtClean="0"/>
               <a:pPr/>
-              <a:t>2018/3/8</a:t>
+              <a:t>2018/3/12</a:t>
             </a:fld>
             <a:endParaRPr lang="zh-CN" altLang="en-US"/>
           </a:p>
@@ -2246,7 +2248,7 @@
             <a:fld id="{C0D59598-13B6-4249-8E23-1CC367B4D783}" type="datetimeFigureOut">
               <a:rPr lang="zh-CN" altLang="en-US" smtClean="0"/>
               <a:pPr/>
-              <a:t>2018/3/8</a:t>
+              <a:t>2018/3/12</a:t>
             </a:fld>
             <a:endParaRPr lang="zh-CN" altLang="en-US"/>
           </a:p>
@@ -2496,7 +2498,7 @@
             <a:fld id="{C0D59598-13B6-4249-8E23-1CC367B4D783}" type="datetimeFigureOut">
               <a:rPr lang="zh-CN" altLang="en-US" smtClean="0"/>
               <a:pPr/>
-              <a:t>2018/3/8</a:t>
+              <a:t>2018/3/12</a:t>
             </a:fld>
             <a:endParaRPr lang="zh-CN" altLang="en-US"/>
           </a:p>
@@ -2706,7 +2708,7 @@
             <a:fld id="{C0D59598-13B6-4249-8E23-1CC367B4D783}" type="datetimeFigureOut">
               <a:rPr lang="zh-CN" altLang="en-US" smtClean="0"/>
               <a:pPr/>
-              <a:t>2018/3/8</a:t>
+              <a:t>2018/3/12</a:t>
             </a:fld>
             <a:endParaRPr lang="zh-CN" altLang="en-US"/>
           </a:p>
@@ -3583,6 +3585,13 @@
   <p:clrMapOvr>
     <a:masterClrMapping/>
   </p:clrMapOvr>
+  <p:timing>
+    <p:tnLst>
+      <p:par>
+        <p:cTn id="1" dur="indefinite" restart="never" nodeType="tmRoot"/>
+      </p:par>
+    </p:tnLst>
+  </p:timing>
 </p:sld>
 </file>
 
@@ -3672,6 +3681,13 @@
   <p:clrMapOvr>
     <a:masterClrMapping/>
   </p:clrMapOvr>
+  <p:timing>
+    <p:tnLst>
+      <p:par>
+        <p:cTn id="1" dur="indefinite" restart="never" nodeType="tmRoot"/>
+      </p:par>
+    </p:tnLst>
+  </p:timing>
 </p:sld>
 </file>
 
@@ -3729,6 +3745,13 @@
   <p:clrMapOvr>
     <a:masterClrMapping/>
   </p:clrMapOvr>
+  <p:timing>
+    <p:tnLst>
+      <p:par>
+        <p:cTn id="1" dur="indefinite" restart="never" nodeType="tmRoot"/>
+      </p:par>
+    </p:tnLst>
+  </p:timing>
 </p:sld>
 </file>
 
@@ -3877,11 +3900,160 @@
           </a:ln>
         </p:spPr>
       </p:pic>
+      <p:sp>
+        <p:nvSpPr>
+          <p:cNvPr id="4" name="TextBox 3"/>
+          <p:cNvSpPr txBox="1"/>
+          <p:nvPr/>
+        </p:nvSpPr>
+        <p:spPr>
+          <a:xfrm>
+            <a:off x="1619672" y="4437112"/>
+            <a:ext cx="6304931" cy="1815882"/>
+          </a:xfrm>
+          <a:prstGeom prst="rect">
+            <a:avLst/>
+          </a:prstGeom>
+          <a:noFill/>
+        </p:spPr>
+        <p:txBody>
+          <a:bodyPr wrap="none" rtlCol="0">
+            <a:spAutoFit/>
+          </a:bodyPr>
+          <a:lstStyle/>
+          <a:p>
+            <a:r>
+              <a:rPr lang="en-US" altLang="zh-CN" sz="2800" dirty="0" smtClean="0">
+                <a:latin typeface="+mj-lt"/>
+              </a:rPr>
+              <a:t>0. </a:t>
+            </a:r>
+            <a:r>
+              <a:rPr lang="zh-CN" altLang="en-US" sz="2800" dirty="0" smtClean="0">
+                <a:latin typeface="+mj-lt"/>
+              </a:rPr>
+              <a:t>把</a:t>
+            </a:r>
+            <a:r>
+              <a:rPr lang="en-US" altLang="zh-CN" sz="2800" dirty="0" smtClean="0">
+                <a:latin typeface="+mj-lt"/>
+              </a:rPr>
+              <a:t>x</a:t>
+            </a:r>
+            <a:r>
+              <a:rPr lang="zh-CN" altLang="en-US" sz="2800" dirty="0" smtClean="0">
+                <a:latin typeface="+mj-lt"/>
+              </a:rPr>
+              <a:t>和函数值分别保存到一个</a:t>
+            </a:r>
+            <a:r>
+              <a:rPr lang="en-US" altLang="zh-CN" sz="2800" dirty="0" smtClean="0">
+                <a:latin typeface="+mj-lt"/>
+              </a:rPr>
+              <a:t>list</a:t>
+            </a:r>
+          </a:p>
+          <a:p>
+            <a:r>
+              <a:rPr lang="en-US" altLang="zh-CN" sz="2800" dirty="0" smtClean="0">
+                <a:latin typeface="+mj-lt"/>
+              </a:rPr>
+              <a:t>1 .Plot this function by </a:t>
+            </a:r>
+            <a:r>
+              <a:rPr lang="en-US" altLang="zh-CN" sz="2800" dirty="0" err="1" smtClean="0">
+                <a:latin typeface="+mj-lt"/>
+              </a:rPr>
+              <a:t>matplotlib</a:t>
+            </a:r>
+            <a:endParaRPr lang="en-US" altLang="zh-CN" sz="2800" dirty="0" smtClean="0">
+              <a:latin typeface="+mj-lt"/>
+            </a:endParaRPr>
+          </a:p>
+          <a:p>
+            <a:r>
+              <a:rPr lang="en-US" altLang="zh-CN" sz="2800" dirty="0" smtClean="0">
+                <a:latin typeface="+mj-lt"/>
+              </a:rPr>
+              <a:t>2. </a:t>
+            </a:r>
+            <a:r>
+              <a:rPr lang="zh-CN" altLang="en-US" sz="2800" dirty="0" smtClean="0">
+                <a:latin typeface="+mj-lt"/>
+              </a:rPr>
+              <a:t>调用</a:t>
+            </a:r>
+            <a:r>
+              <a:rPr lang="en-US" altLang="zh-CN" sz="2800" dirty="0" smtClean="0">
+                <a:latin typeface="+mj-lt"/>
+              </a:rPr>
+              <a:t>m=1</a:t>
+            </a:r>
+            <a:r>
+              <a:rPr lang="zh-CN" altLang="en-US" sz="2800" dirty="0" smtClean="0">
+                <a:latin typeface="+mj-lt"/>
+              </a:rPr>
+              <a:t>， </a:t>
+            </a:r>
+            <a:r>
+              <a:rPr lang="en-US" altLang="zh-CN" sz="2800" dirty="0" smtClean="0">
+                <a:latin typeface="+mj-lt"/>
+              </a:rPr>
+              <a:t>s=2</a:t>
+            </a:r>
+            <a:r>
+              <a:rPr lang="zh-CN" altLang="en-US" sz="2800" dirty="0" smtClean="0">
+                <a:latin typeface="+mj-lt"/>
+              </a:rPr>
+              <a:t>时的函数并且</a:t>
+            </a:r>
+            <a:r>
+              <a:rPr lang="en-US" altLang="zh-CN" sz="2800" dirty="0" smtClean="0">
+                <a:latin typeface="+mj-lt"/>
+              </a:rPr>
+              <a:t>plot</a:t>
+            </a:r>
+            <a:r>
+              <a:rPr lang="zh-CN" altLang="en-US" sz="2800" dirty="0" smtClean="0">
+                <a:latin typeface="+mj-lt"/>
+              </a:rPr>
+              <a:t>出来</a:t>
+            </a:r>
+            <a:endParaRPr lang="en-US" altLang="zh-CN" sz="2800" dirty="0" smtClean="0">
+              <a:latin typeface="+mj-lt"/>
+            </a:endParaRPr>
+          </a:p>
+          <a:p>
+            <a:r>
+              <a:rPr lang="en-US" altLang="zh-CN" sz="2800" dirty="0" smtClean="0">
+                <a:latin typeface="+mj-lt"/>
+              </a:rPr>
+              <a:t>3. map() </a:t>
+            </a:r>
+            <a:r>
+              <a:rPr lang="zh-CN" altLang="en-US" sz="2800" dirty="0" smtClean="0">
+                <a:latin typeface="+mj-lt"/>
+              </a:rPr>
+              <a:t>函数</a:t>
+            </a:r>
+            <a:endParaRPr lang="zh-CN" altLang="en-US" sz="2800" dirty="0">
+              <a:latin typeface="+mj-lt"/>
+            </a:endParaRPr>
+          </a:p>
+        </p:txBody>
+      </p:sp>
     </p:spTree>
   </p:cSld>
   <p:clrMapOvr>
     <a:masterClrMapping/>
   </p:clrMapOvr>
+  <p:timing>
+    <p:tnLst>
+      <p:par>
+        <p:cTn id="1" dur="indefinite" restart="never" nodeType="tmRoot"/>
+      </p:par>
+    </p:tnLst>
+  </p:timing>
 </p:sld>
 </file>
 
@@ -3971,10 +4143,187 @@
   <p:clrMapOvr>
     <a:masterClrMapping/>
   </p:clrMapOvr>
+  <p:timing>
+    <p:tnLst>
+      <p:par>
+        <p:cTn id="1" dur="indefinite" restart="never" nodeType="tmRoot"/>
+      </p:par>
+    </p:tnLst>
+  </p:timing>
 </p:sld>
 </file>
 
 <file path=ppt/slides/slide19.xml><?xml version="1.0" encoding="utf-8"?>
+<p:sld xmlns:a="http://schemas.openxmlformats.org/drawingml/2006/main" xmlns:r="http://schemas.openxmlformats.org/officeDocument/2006/relationships" xmlns:p="http://schemas.openxmlformats.org/presentationml/2006/main">
+  <p:cSld>
+    <p:spTree>
+      <p:nvGrpSpPr>
+        <p:cNvPr id="1" name=""/>
+        <p:cNvGrpSpPr/>
+        <p:nvPr/>
+      </p:nvGrpSpPr>
+      <p:grpSpPr>
+        <a:xfrm>
+          <a:off x="0" y="0"/>
+          <a:ext cx="0" cy="0"/>
+          <a:chOff x="0" y="0"/>
+          <a:chExt cx="0" cy="0"/>
+        </a:xfrm>
+      </p:grpSpPr>
+      <p:pic>
+        <p:nvPicPr>
+          <p:cNvPr id="1026" name="Picture 2"/>
+          <p:cNvPicPr>
+            <a:picLocks noChangeAspect="1" noChangeArrowheads="1"/>
+          </p:cNvPicPr>
+          <p:nvPr/>
+        </p:nvPicPr>
+        <p:blipFill>
+          <a:blip r:embed="rId2" cstate="print"/>
+          <a:srcRect/>
+          <a:stretch>
+            <a:fillRect/>
+          </a:stretch>
+        </p:blipFill>
+        <p:spPr bwMode="auto">
+          <a:xfrm>
+            <a:off x="0" y="1124744"/>
+            <a:ext cx="9145036" cy="4375249"/>
+          </a:xfrm>
+          <a:prstGeom prst="rect">
+            <a:avLst/>
+          </a:prstGeom>
+          <a:noFill/>
+          <a:ln w="9525">
+            <a:noFill/>
+            <a:miter lim="800000"/>
+            <a:headEnd/>
+            <a:tailEnd/>
+          </a:ln>
+        </p:spPr>
+      </p:pic>
+    </p:spTree>
+  </p:cSld>
+  <p:clrMapOvr>
+    <a:masterClrMapping/>
+  </p:clrMapOvr>
+  <p:timing>
+    <p:tnLst>
+      <p:par>
+        <p:cTn id="1" dur="indefinite" restart="never" nodeType="tmRoot"/>
+      </p:par>
+    </p:tnLst>
+  </p:timing>
+</p:sld>
+</file>
+
+<file path=ppt/slides/slide2.xml><?xml version="1.0" encoding="utf-8"?>
+<p:sld xmlns:a="http://schemas.openxmlformats.org/drawingml/2006/main" xmlns:r="http://schemas.openxmlformats.org/officeDocument/2006/relationships" xmlns:p="http://schemas.openxmlformats.org/presentationml/2006/main">
+  <p:cSld>
+    <p:spTree>
+      <p:nvGrpSpPr>
+        <p:cNvPr id="1" name=""/>
+        <p:cNvGrpSpPr/>
+        <p:nvPr/>
+      </p:nvGrpSpPr>
+      <p:grpSpPr>
+        <a:xfrm>
+          <a:off x="0" y="0"/>
+          <a:ext cx="0" cy="0"/>
+          <a:chOff x="0" y="0"/>
+          <a:chExt cx="0" cy="0"/>
+        </a:xfrm>
+      </p:grpSpPr>
+      <p:sp>
+        <p:nvSpPr>
+          <p:cNvPr id="2" name="标题 1"/>
+          <p:cNvSpPr>
+            <a:spLocks noGrp="1"/>
+          </p:cNvSpPr>
+          <p:nvPr>
+            <p:ph type="title"/>
+          </p:nvPr>
+        </p:nvSpPr>
+        <p:spPr/>
+        <p:txBody>
+          <a:bodyPr/>
+          <a:lstStyle/>
+          <a:p>
+            <a:r>
+              <a:rPr lang="en-US" altLang="zh-CN" dirty="0" smtClean="0"/>
+              <a:t>Use function</a:t>
+            </a:r>
+            <a:endParaRPr lang="zh-CN" altLang="en-US" dirty="0"/>
+          </a:p>
+        </p:txBody>
+      </p:sp>
+      <p:sp>
+        <p:nvSpPr>
+          <p:cNvPr id="3" name="内容占位符 2"/>
+          <p:cNvSpPr>
+            <a:spLocks noGrp="1"/>
+          </p:cNvSpPr>
+          <p:nvPr>
+            <p:ph idx="1"/>
+          </p:nvPr>
+        </p:nvSpPr>
+        <p:spPr/>
+        <p:txBody>
+          <a:bodyPr/>
+          <a:lstStyle/>
+          <a:p>
+            <a:r>
+              <a:rPr lang="en-US" altLang="zh-CN" dirty="0" smtClean="0"/>
+              <a:t>range(5)</a:t>
+            </a:r>
+          </a:p>
+          <a:p>
+            <a:r>
+              <a:rPr lang="en-US" altLang="zh-CN" dirty="0" smtClean="0"/>
+              <a:t>max([1,2,3]), min([1,2,3])</a:t>
+            </a:r>
+          </a:p>
+          <a:p>
+            <a:r>
+              <a:rPr lang="en-US" altLang="zh-CN" dirty="0" smtClean="0"/>
+              <a:t>list(range(4)), </a:t>
+            </a:r>
+            <a:r>
+              <a:rPr lang="en-US" altLang="zh-CN" dirty="0" err="1" smtClean="0"/>
+              <a:t>str</a:t>
+            </a:r>
+            <a:r>
+              <a:rPr lang="en-US" altLang="zh-CN" dirty="0" smtClean="0"/>
+              <a:t>(123), </a:t>
+            </a:r>
+            <a:r>
+              <a:rPr lang="en-US" altLang="zh-CN" dirty="0" err="1" smtClean="0"/>
+              <a:t>int</a:t>
+            </a:r>
+            <a:r>
+              <a:rPr lang="en-US" altLang="zh-CN" dirty="0" smtClean="0"/>
+              <a:t>(5.5)</a:t>
+            </a:r>
+            <a:endParaRPr lang="zh-CN" altLang="en-US" dirty="0"/>
+          </a:p>
+        </p:txBody>
+      </p:sp>
+    </p:spTree>
+  </p:cSld>
+  <p:clrMapOvr>
+    <a:masterClrMapping/>
+  </p:clrMapOvr>
+  <p:timing>
+    <p:tnLst>
+      <p:par>
+        <p:cTn id="1" dur="indefinite" restart="never" nodeType="tmRoot"/>
+      </p:par>
+    </p:tnLst>
+  </p:timing>
+</p:sld>
+</file>
+
+<file path=ppt/slides/slide20.xml><?xml version="1.0" encoding="utf-8"?>
 <p:sld xmlns:a="http://schemas.openxmlformats.org/drawingml/2006/main" xmlns:r="http://schemas.openxmlformats.org/officeDocument/2006/relationships" xmlns:p="http://schemas.openxmlformats.org/presentationml/2006/main">
   <p:cSld>
     <p:spTree>
@@ -4028,10 +4377,17 @@
   <p:clrMapOvr>
     <a:masterClrMapping/>
   </p:clrMapOvr>
+  <p:timing>
+    <p:tnLst>
+      <p:par>
+        <p:cTn id="1" dur="indefinite" restart="never" nodeType="tmRoot"/>
+      </p:par>
+    </p:tnLst>
+  </p:timing>
 </p:sld>
 </file>
 
-<file path=ppt/slides/slide2.xml><?xml version="1.0" encoding="utf-8"?>
+<file path=ppt/slides/slide21.xml><?xml version="1.0" encoding="utf-8"?>
 <p:sld xmlns:a="http://schemas.openxmlformats.org/drawingml/2006/main" xmlns:r="http://schemas.openxmlformats.org/officeDocument/2006/relationships" xmlns:p="http://schemas.openxmlformats.org/presentationml/2006/main">
   <p:cSld>
     <p:spTree>
@@ -4065,7 +4421,7 @@
           <a:p>
             <a:r>
               <a:rPr lang="en-US" altLang="zh-CN" dirty="0" smtClean="0"/>
-              <a:t>Use function</a:t>
+              <a:t>Next Class</a:t>
             </a:r>
             <a:endParaRPr lang="zh-CN" altLang="en-US" dirty="0"/>
           </a:p>
@@ -4087,36 +4443,15 @@
           <a:lstStyle/>
           <a:p>
             <a:r>
-              <a:rPr lang="en-US" altLang="zh-CN" dirty="0" smtClean="0"/>
-              <a:t>range(5)</a:t>
-            </a:r>
-          </a:p>
-          <a:p>
-            <a:r>
-              <a:rPr lang="en-US" altLang="zh-CN" dirty="0" smtClean="0"/>
-              <a:t>max([1,2,3]), min([1,2,3])</a:t>
-            </a:r>
-          </a:p>
-          <a:p>
-            <a:r>
-              <a:rPr lang="en-US" altLang="zh-CN" dirty="0" smtClean="0"/>
-              <a:t>list(range(4)), </a:t>
-            </a:r>
-            <a:r>
-              <a:rPr lang="en-US" altLang="zh-CN" dirty="0" err="1" smtClean="0"/>
-              <a:t>str</a:t>
-            </a:r>
-            <a:r>
-              <a:rPr lang="en-US" altLang="zh-CN" dirty="0" smtClean="0"/>
-              <a:t>(123), </a:t>
-            </a:r>
-            <a:r>
-              <a:rPr lang="en-US" altLang="zh-CN" dirty="0" err="1" smtClean="0"/>
-              <a:t>int</a:t>
-            </a:r>
-            <a:r>
-              <a:rPr lang="en-US" altLang="zh-CN" dirty="0" smtClean="0"/>
-              <a:t>(5.5)</a:t>
+              <a:rPr lang="zh-CN" altLang="en-US" dirty="0" smtClean="0"/>
+              <a:t>字符串操作</a:t>
+            </a:r>
+            <a:endParaRPr lang="en-US" altLang="zh-CN" dirty="0" smtClean="0"/>
+          </a:p>
+          <a:p>
+            <a:r>
+              <a:rPr lang="zh-CN" altLang="en-US" dirty="0" smtClean="0"/>
+              <a:t>文件读写</a:t>
             </a:r>
             <a:endParaRPr lang="zh-CN" altLang="en-US" dirty="0"/>
           </a:p>
